--- a/Specs/ProductUserCase.pptx
+++ b/Specs/ProductUserCase.pptx
@@ -5634,7 +5634,7 @@
             </a:pPr>
             <a:r>
               <a:rPr lang="en-US" sz="1400" dirty="0" smtClean="0"/>
-              <a:t>Age Cluster</a:t>
+              <a:t>Age group</a:t>
             </a:r>
           </a:p>
         </p:txBody>
